--- a/Project/DataMining/ARIMAX_Project/아이스크림 판매량 예측/세부 포트폴리오 - 아이스크림을 왜 먹을까.pptx
+++ b/Project/DataMining/ARIMAX_Project/아이스크림 판매량 예측/세부 포트폴리오 - 아이스크림을 왜 먹을까.pptx
@@ -291,7 +291,7 @@
           <a:p>
             <a:fld id="{6BA27220-AF62-42EE-801C-3FF32E46EAAE}" type="datetimeFigureOut">
               <a:rPr lang="ko-KR" altLang="en-US" smtClean="0"/>
-              <a:t>2019-12-22</a:t>
+              <a:t>2021-03-12</a:t>
             </a:fld>
             <a:endParaRPr lang="ko-KR" altLang="en-US"/>
           </a:p>
@@ -489,7 +489,7 @@
           <a:p>
             <a:fld id="{6BA27220-AF62-42EE-801C-3FF32E46EAAE}" type="datetimeFigureOut">
               <a:rPr lang="ko-KR" altLang="en-US" smtClean="0"/>
-              <a:t>2019-12-22</a:t>
+              <a:t>2021-03-12</a:t>
             </a:fld>
             <a:endParaRPr lang="ko-KR" altLang="en-US"/>
           </a:p>
@@ -697,7 +697,7 @@
           <a:p>
             <a:fld id="{6BA27220-AF62-42EE-801C-3FF32E46EAAE}" type="datetimeFigureOut">
               <a:rPr lang="ko-KR" altLang="en-US" smtClean="0"/>
-              <a:t>2019-12-22</a:t>
+              <a:t>2021-03-12</a:t>
             </a:fld>
             <a:endParaRPr lang="ko-KR" altLang="en-US"/>
           </a:p>
@@ -895,7 +895,7 @@
           <a:p>
             <a:fld id="{6BA27220-AF62-42EE-801C-3FF32E46EAAE}" type="datetimeFigureOut">
               <a:rPr lang="ko-KR" altLang="en-US" smtClean="0"/>
-              <a:t>2019-12-22</a:t>
+              <a:t>2021-03-12</a:t>
             </a:fld>
             <a:endParaRPr lang="ko-KR" altLang="en-US"/>
           </a:p>
@@ -1170,7 +1170,7 @@
           <a:p>
             <a:fld id="{6BA27220-AF62-42EE-801C-3FF32E46EAAE}" type="datetimeFigureOut">
               <a:rPr lang="ko-KR" altLang="en-US" smtClean="0"/>
-              <a:t>2019-12-22</a:t>
+              <a:t>2021-03-12</a:t>
             </a:fld>
             <a:endParaRPr lang="ko-KR" altLang="en-US"/>
           </a:p>
@@ -1435,7 +1435,7 @@
           <a:p>
             <a:fld id="{6BA27220-AF62-42EE-801C-3FF32E46EAAE}" type="datetimeFigureOut">
               <a:rPr lang="ko-KR" altLang="en-US" smtClean="0"/>
-              <a:t>2019-12-22</a:t>
+              <a:t>2021-03-12</a:t>
             </a:fld>
             <a:endParaRPr lang="ko-KR" altLang="en-US"/>
           </a:p>
@@ -1847,7 +1847,7 @@
           <a:p>
             <a:fld id="{6BA27220-AF62-42EE-801C-3FF32E46EAAE}" type="datetimeFigureOut">
               <a:rPr lang="ko-KR" altLang="en-US" smtClean="0"/>
-              <a:t>2019-12-22</a:t>
+              <a:t>2021-03-12</a:t>
             </a:fld>
             <a:endParaRPr lang="ko-KR" altLang="en-US"/>
           </a:p>
@@ -1988,7 +1988,7 @@
           <a:p>
             <a:fld id="{6BA27220-AF62-42EE-801C-3FF32E46EAAE}" type="datetimeFigureOut">
               <a:rPr lang="ko-KR" altLang="en-US" smtClean="0"/>
-              <a:t>2019-12-22</a:t>
+              <a:t>2021-03-12</a:t>
             </a:fld>
             <a:endParaRPr lang="ko-KR" altLang="en-US"/>
           </a:p>
@@ -2101,7 +2101,7 @@
           <a:p>
             <a:fld id="{6BA27220-AF62-42EE-801C-3FF32E46EAAE}" type="datetimeFigureOut">
               <a:rPr lang="ko-KR" altLang="en-US" smtClean="0"/>
-              <a:t>2019-12-22</a:t>
+              <a:t>2021-03-12</a:t>
             </a:fld>
             <a:endParaRPr lang="ko-KR" altLang="en-US"/>
           </a:p>
@@ -2412,7 +2412,7 @@
           <a:p>
             <a:fld id="{6BA27220-AF62-42EE-801C-3FF32E46EAAE}" type="datetimeFigureOut">
               <a:rPr lang="ko-KR" altLang="en-US" smtClean="0"/>
-              <a:t>2019-12-22</a:t>
+              <a:t>2021-03-12</a:t>
             </a:fld>
             <a:endParaRPr lang="ko-KR" altLang="en-US"/>
           </a:p>
@@ -2700,7 +2700,7 @@
           <a:p>
             <a:fld id="{6BA27220-AF62-42EE-801C-3FF32E46EAAE}" type="datetimeFigureOut">
               <a:rPr lang="ko-KR" altLang="en-US" smtClean="0"/>
-              <a:t>2019-12-22</a:t>
+              <a:t>2021-03-12</a:t>
             </a:fld>
             <a:endParaRPr lang="ko-KR" altLang="en-US"/>
           </a:p>
@@ -2941,7 +2941,7 @@
           <a:p>
             <a:fld id="{6BA27220-AF62-42EE-801C-3FF32E46EAAE}" type="datetimeFigureOut">
               <a:rPr lang="ko-KR" altLang="en-US" smtClean="0"/>
-              <a:t>2019-12-22</a:t>
+              <a:t>2021-03-12</a:t>
             </a:fld>
             <a:endParaRPr lang="ko-KR" altLang="en-US"/>
           </a:p>
@@ -3383,6 +3383,10 @@
               <a:rPr lang="ko-KR" altLang="en-US" dirty="0"/>
               <a:t>더위로 아이스크림 판매량</a:t>
             </a:r>
+            <a:r>
+              <a:rPr lang="en-US" altLang="ko-KR" dirty="0"/>
+              <a:t/>
+            </a:r>
             <a:br>
               <a:rPr lang="en-US" altLang="ko-KR" dirty="0"/>
             </a:br>
@@ -4859,8 +4863,8 @@
           </a:p>
         </p:txBody>
       </p:sp>
-      <mc:AlternateContent xmlns:mc="http://schemas.openxmlformats.org/markup-compatibility/2006" xmlns:a14="http://schemas.microsoft.com/office/drawing/2010/main">
-        <mc:Choice Requires="a14">
+      <mc:AlternateContent xmlns:mc="http://schemas.openxmlformats.org/markup-compatibility/2006">
+        <mc:Choice xmlns:a14="http://schemas.microsoft.com/office/drawing/2010/main" Requires="a14">
           <p:sp>
             <p:nvSpPr>
               <p:cNvPr id="8" name="TextBox 7">
@@ -4882,6 +4886,11 @@
                 <a:avLst/>
               </a:prstGeom>
               <a:noFill/>
+              <a:ln>
+                <a:solidFill>
+                  <a:srgbClr val="FF0000"/>
+                </a:solidFill>
+              </a:ln>
             </p:spPr>
             <p:txBody>
               <a:bodyPr wrap="none" rtlCol="0">
@@ -5091,7 +5100,7 @@
             </p:txBody>
           </p:sp>
         </mc:Choice>
-        <mc:Fallback xmlns="">
+        <mc:Fallback>
           <p:sp>
             <p:nvSpPr>
               <p:cNvPr id="8" name="TextBox 7">
@@ -5120,6 +5129,11 @@
                   <a:fillRect/>
                 </a:stretch>
               </a:blipFill>
+              <a:ln>
+                <a:solidFill>
+                  <a:srgbClr val="FF0000"/>
+                </a:solidFill>
+              </a:ln>
             </p:spPr>
             <p:txBody>
               <a:bodyPr/>
@@ -5358,183 +5372,238 @@
           </a:p>
         </p:txBody>
       </p:sp>
-      <p:sp>
-        <p:nvSpPr>
-          <p:cNvPr id="3" name="내용 개체 틀 2">
-            <a:extLst>
-              <a:ext uri="{FF2B5EF4-FFF2-40B4-BE49-F238E27FC236}">
-                <a16:creationId xmlns:a16="http://schemas.microsoft.com/office/drawing/2014/main" id="{EAB27063-D2D0-4208-BDBB-261D544725C6}"/>
-              </a:ext>
-            </a:extLst>
-          </p:cNvPr>
-          <p:cNvSpPr>
-            <a:spLocks noGrp="1"/>
-          </p:cNvSpPr>
-          <p:nvPr>
-            <p:ph idx="1"/>
-          </p:nvPr>
-        </p:nvSpPr>
-        <p:spPr/>
-        <p:txBody>
-          <a:bodyPr/>
-          <a:lstStyle/>
-          <a:p>
-            <a:r>
-              <a:rPr lang="ko-KR" altLang="en-US" dirty="0" err="1"/>
-              <a:t>가적합</a:t>
-            </a:r>
-            <a:endParaRPr lang="en-US" altLang="ko-KR" dirty="0"/>
-          </a:p>
-          <a:p>
-            <a:endParaRPr lang="en-US" altLang="ko-KR" dirty="0"/>
-          </a:p>
-          <a:p>
-            <a:endParaRPr lang="en-US" altLang="ko-KR" dirty="0"/>
-          </a:p>
-          <a:p>
-            <a:pPr marL="0" indent="0">
-              <a:buNone/>
-            </a:pPr>
-            <a:endParaRPr lang="en-US" altLang="ko-KR" dirty="0"/>
-          </a:p>
-          <a:p>
-            <a:pPr marL="0" indent="0">
-              <a:buNone/>
-            </a:pPr>
-            <a:r>
-              <a:rPr lang="en-US" altLang="ko-KR" dirty="0"/>
-              <a:t>- </a:t>
-            </a:r>
-            <a:r>
-              <a:rPr lang="ko-KR" altLang="en-US" dirty="0" err="1"/>
-              <a:t>가적합</a:t>
-            </a:r>
-            <a:r>
-              <a:rPr lang="ko-KR" altLang="en-US" dirty="0"/>
-              <a:t> </a:t>
-            </a:r>
-            <a:r>
-              <a:rPr lang="ko-KR" altLang="en-US" dirty="0" err="1"/>
-              <a:t>잔차를</a:t>
-            </a:r>
-            <a:r>
-              <a:rPr lang="ko-KR" altLang="en-US" dirty="0"/>
-              <a:t> </a:t>
-            </a:r>
-            <a:r>
-              <a:rPr lang="en-US" altLang="ko-KR" dirty="0"/>
-              <a:t>ARMA</a:t>
-            </a:r>
-            <a:r>
-              <a:rPr lang="ko-KR" altLang="en-US" dirty="0"/>
-              <a:t>로 적합하는 것을 </a:t>
-            </a:r>
-            <a:r>
-              <a:rPr lang="en-US" altLang="ko-KR" dirty="0"/>
-              <a:t>Y</a:t>
-            </a:r>
-            <a:r>
-              <a:rPr lang="ko-KR" altLang="en-US" dirty="0"/>
-              <a:t>와 </a:t>
-            </a:r>
-            <a:r>
-              <a:rPr lang="ko-KR" altLang="en-US" dirty="0" err="1"/>
-              <a:t>잔차의</a:t>
-            </a:r>
-            <a:r>
-              <a:rPr lang="ko-KR" altLang="en-US" dirty="0"/>
-              <a:t> </a:t>
-            </a:r>
-            <a:r>
-              <a:rPr lang="en-US" altLang="ko-KR" dirty="0"/>
-              <a:t>ARIMA</a:t>
-            </a:r>
-            <a:r>
-              <a:rPr lang="ko-KR" altLang="en-US" dirty="0"/>
-              <a:t>로 보는 외국 논문에 맞게 적합을 시도</a:t>
-            </a:r>
-            <a:endParaRPr lang="en-US" altLang="ko-KR" dirty="0"/>
-          </a:p>
-          <a:p>
-            <a:endParaRPr lang="en-US" altLang="ko-KR" dirty="0"/>
-          </a:p>
-          <a:p>
-            <a:pPr marL="0" indent="0">
-              <a:buNone/>
-            </a:pPr>
-            <a:r>
-              <a:rPr lang="en-US" altLang="ko-KR" dirty="0"/>
-              <a:t>- </a:t>
-            </a:r>
-            <a:r>
-              <a:rPr lang="ko-KR" altLang="en-US" dirty="0" err="1"/>
-              <a:t>잔차</a:t>
-            </a:r>
-            <a:r>
-              <a:rPr lang="ko-KR" altLang="en-US" dirty="0"/>
-              <a:t> 검정 결과 </a:t>
-            </a:r>
-            <a:r>
-              <a:rPr lang="ko-KR" altLang="en-US" dirty="0" err="1"/>
-              <a:t>가적합</a:t>
-            </a:r>
-            <a:r>
-              <a:rPr lang="ko-KR" altLang="en-US" dirty="0"/>
-              <a:t> </a:t>
-            </a:r>
-            <a:r>
-              <a:rPr lang="ko-KR" altLang="en-US" dirty="0" err="1"/>
-              <a:t>잔차</a:t>
-            </a:r>
-            <a:r>
-              <a:rPr lang="ko-KR" altLang="en-US" dirty="0"/>
-              <a:t> </a:t>
-            </a:r>
-            <a:r>
-              <a:rPr lang="en-US" altLang="ko-KR" dirty="0"/>
-              <a:t>e</a:t>
-            </a:r>
-            <a:r>
-              <a:rPr lang="ko-KR" altLang="en-US" dirty="0"/>
-              <a:t>는 </a:t>
-            </a:r>
-            <a:r>
-              <a:rPr lang="en-US" altLang="ko-KR" dirty="0"/>
-              <a:t>ARMA(1,0)</a:t>
-            </a:r>
-            <a:r>
-              <a:rPr lang="ko-KR" altLang="en-US" dirty="0"/>
-              <a:t>을 의심할 수 있으므로</a:t>
-            </a:r>
-            <a:r>
-              <a:rPr lang="en-US" altLang="ko-KR" dirty="0"/>
-              <a:t>, </a:t>
-            </a:r>
-            <a:r>
-              <a:rPr lang="ko-KR" altLang="en-US" dirty="0"/>
-              <a:t>이를</a:t>
-            </a:r>
-            <a:r>
-              <a:rPr lang="en-US" altLang="ko-KR" dirty="0"/>
-              <a:t> order</a:t>
-            </a:r>
-            <a:r>
-              <a:rPr lang="ko-KR" altLang="en-US" dirty="0"/>
-              <a:t>에 반영한다</a:t>
-            </a:r>
-            <a:r>
-              <a:rPr lang="en-US" altLang="ko-KR" dirty="0"/>
-              <a:t>.</a:t>
-            </a:r>
-          </a:p>
-          <a:p>
-            <a:endParaRPr lang="en-US" altLang="ko-KR" dirty="0"/>
-          </a:p>
-          <a:p>
-            <a:endParaRPr lang="ko-KR" altLang="en-US" dirty="0"/>
-          </a:p>
-        </p:txBody>
-      </p:sp>
+      <mc:AlternateContent xmlns:mc="http://schemas.openxmlformats.org/markup-compatibility/2006">
+        <mc:Choice xmlns:a14="http://schemas.microsoft.com/office/drawing/2010/main" Requires="a14">
+          <p:sp>
+            <p:nvSpPr>
+              <p:cNvPr id="3" name="내용 개체 틀 2">
+                <a:extLst>
+                  <a:ext uri="{FF2B5EF4-FFF2-40B4-BE49-F238E27FC236}">
+                    <a16:creationId xmlns:a16="http://schemas.microsoft.com/office/drawing/2014/main" id="{EAB27063-D2D0-4208-BDBB-261D544725C6}"/>
+                  </a:ext>
+                </a:extLst>
+              </p:cNvPr>
+              <p:cNvSpPr>
+                <a:spLocks noGrp="1"/>
+              </p:cNvSpPr>
+              <p:nvPr>
+                <p:ph idx="1"/>
+              </p:nvPr>
+            </p:nvSpPr>
+            <p:spPr/>
+            <p:txBody>
+              <a:bodyPr>
+                <a:normAutofit/>
+              </a:bodyPr>
+              <a:lstStyle/>
+              <a:p>
+                <a:r>
+                  <a:rPr lang="ko-KR" altLang="en-US" dirty="0" err="1"/>
+                  <a:t>가적합</a:t>
+                </a:r>
+                <a:endParaRPr lang="en-US" altLang="ko-KR" dirty="0"/>
+              </a:p>
+              <a:p>
+                <a:endParaRPr lang="en-US" altLang="ko-KR" dirty="0"/>
+              </a:p>
+              <a:p>
+                <a:endParaRPr lang="en-US" altLang="ko-KR" dirty="0"/>
+              </a:p>
+              <a:p>
+                <a:pPr marL="0" indent="0">
+                  <a:buNone/>
+                </a:pPr>
+                <a:endParaRPr lang="en-US" altLang="ko-KR" dirty="0"/>
+              </a:p>
+              <a:p>
+                <a:pPr marL="0" indent="0">
+                  <a:buNone/>
+                </a:pPr>
+                <a:r>
+                  <a:rPr lang="en-US" altLang="ko-KR" dirty="0"/>
+                  <a:t>- </a:t>
+                </a:r>
+                <a:r>
+                  <a:rPr lang="ko-KR" altLang="en-US" dirty="0" err="1"/>
+                  <a:t>가적합</a:t>
+                </a:r>
+                <a:r>
+                  <a:rPr lang="ko-KR" altLang="en-US" dirty="0"/>
+                  <a:t> </a:t>
+                </a:r>
+                <a:r>
+                  <a:rPr lang="ko-KR" altLang="en-US" dirty="0" err="1"/>
+                  <a:t>잔차를</a:t>
+                </a:r>
+                <a:r>
+                  <a:rPr lang="ko-KR" altLang="en-US" dirty="0"/>
+                  <a:t> </a:t>
+                </a:r>
+                <a:r>
+                  <a:rPr lang="en-US" altLang="ko-KR" dirty="0"/>
+                  <a:t>ARMA</a:t>
+                </a:r>
+                <a:r>
+                  <a:rPr lang="ko-KR" altLang="en-US" dirty="0"/>
+                  <a:t>로 적합하는 것을 </a:t>
+                </a:r>
+                <a:r>
+                  <a:rPr lang="en-US" altLang="ko-KR" dirty="0"/>
+                  <a:t>Y</a:t>
+                </a:r>
+                <a:r>
+                  <a:rPr lang="ko-KR" altLang="en-US" dirty="0"/>
+                  <a:t>와 </a:t>
+                </a:r>
+                <a:r>
+                  <a:rPr lang="ko-KR" altLang="en-US" dirty="0" err="1"/>
+                  <a:t>잔차의</a:t>
+                </a:r>
+                <a:r>
+                  <a:rPr lang="ko-KR" altLang="en-US" dirty="0"/>
+                  <a:t> </a:t>
+                </a:r>
+                <a:r>
+                  <a:rPr lang="en-US" altLang="ko-KR" dirty="0"/>
+                  <a:t>ARIMA</a:t>
+                </a:r>
+                <a:r>
+                  <a:rPr lang="ko-KR" altLang="en-US" dirty="0"/>
+                  <a:t>로 보는 외국 논문에 맞게 적합을 시도</a:t>
+                </a:r>
+                <a:endParaRPr lang="en-US" altLang="ko-KR" dirty="0"/>
+              </a:p>
+              <a:p>
+                <a:endParaRPr lang="en-US" altLang="ko-KR" dirty="0"/>
+              </a:p>
+              <a:p>
+                <a:pPr marL="0" indent="0">
+                  <a:buNone/>
+                </a:pPr>
+                <a:r>
+                  <a:rPr lang="en-US" altLang="ko-KR" dirty="0"/>
+                  <a:t>- </a:t>
+                </a:r>
+                <a:r>
+                  <a:rPr lang="ko-KR" altLang="en-US" dirty="0" err="1"/>
+                  <a:t>잔차</a:t>
+                </a:r>
+                <a:r>
+                  <a:rPr lang="ko-KR" altLang="en-US" dirty="0"/>
+                  <a:t> 검정 결과 </a:t>
+                </a:r>
+                <a:r>
+                  <a:rPr lang="ko-KR" altLang="en-US" dirty="0" err="1" smtClean="0"/>
+                  <a:t>가적합</a:t>
+                </a:r>
+                <a:r>
+                  <a:rPr lang="ko-KR" altLang="en-US" dirty="0" err="1"/>
+                  <a:t>된</a:t>
+                </a:r>
+                <a:r>
+                  <a:rPr lang="ko-KR" altLang="en-US" dirty="0" smtClean="0"/>
+                  <a:t> </a:t>
+                </a:r>
+                <a:r>
+                  <a:rPr lang="ko-KR" altLang="en-US" dirty="0" err="1"/>
+                  <a:t>잔차</a:t>
+                </a:r>
+                <a:r>
+                  <a:rPr lang="ko-KR" altLang="en-US" dirty="0"/>
+                  <a:t> </a:t>
+                </a:r>
+                <a14:m>
+                  <m:oMath xmlns:m="http://schemas.openxmlformats.org/officeDocument/2006/math">
+                    <m:r>
+                      <a:rPr lang="ko-KR" altLang="en-US" i="1" smtClean="0">
+                        <a:latin typeface="Cambria Math" panose="02040503050406030204" pitchFamily="18" charset="0"/>
+                      </a:rPr>
+                      <m:t>𝜑</m:t>
+                    </m:r>
+                  </m:oMath>
+                </a14:m>
+                <a:r>
+                  <a:rPr lang="ko-KR" altLang="en-US" dirty="0"/>
+                  <a:t>는 </a:t>
+                </a:r>
+                <a:r>
+                  <a:rPr lang="en-US" altLang="ko-KR" dirty="0"/>
+                  <a:t>ARMA(1,0)</a:t>
+                </a:r>
+                <a:r>
+                  <a:rPr lang="ko-KR" altLang="en-US" dirty="0"/>
+                  <a:t>을 의심할 수 있으므로</a:t>
+                </a:r>
+                <a:r>
+                  <a:rPr lang="en-US" altLang="ko-KR" dirty="0"/>
+                  <a:t>, </a:t>
+                </a:r>
+                <a:r>
+                  <a:rPr lang="ko-KR" altLang="en-US" dirty="0"/>
+                  <a:t>이를</a:t>
+                </a:r>
+                <a:r>
+                  <a:rPr lang="en-US" altLang="ko-KR" dirty="0"/>
+                  <a:t> order</a:t>
+                </a:r>
+                <a:r>
+                  <a:rPr lang="ko-KR" altLang="en-US" dirty="0"/>
+                  <a:t>에 반영한다</a:t>
+                </a:r>
+                <a:r>
+                  <a:rPr lang="en-US" altLang="ko-KR" dirty="0"/>
+                  <a:t>.</a:t>
+                </a:r>
+              </a:p>
+              <a:p>
+                <a:endParaRPr lang="en-US" altLang="ko-KR" dirty="0"/>
+              </a:p>
+              <a:p>
+                <a:endParaRPr lang="ko-KR" altLang="en-US" dirty="0"/>
+              </a:p>
+            </p:txBody>
+          </p:sp>
+        </mc:Choice>
+        <mc:Fallback>
+          <p:sp>
+            <p:nvSpPr>
+              <p:cNvPr id="3" name="내용 개체 틀 2">
+                <a:extLst>
+                  <a:ext uri="{FF2B5EF4-FFF2-40B4-BE49-F238E27FC236}">
+                    <a16:creationId xmlns:a16="http://schemas.microsoft.com/office/drawing/2014/main" id="{EAB27063-D2D0-4208-BDBB-261D544725C6}"/>
+                  </a:ext>
+                </a:extLst>
+              </p:cNvPr>
+              <p:cNvSpPr>
+                <a:spLocks noGrp="1" noRot="1" noChangeAspect="1" noMove="1" noResize="1" noEditPoints="1" noAdjustHandles="1" noChangeArrowheads="1" noChangeShapeType="1" noTextEdit="1"/>
+              </p:cNvSpPr>
+              <p:nvPr>
+                <p:ph idx="1"/>
+              </p:nvPr>
+            </p:nvSpPr>
+            <p:spPr>
+              <a:blipFill>
+                <a:blip r:embed="rId2"/>
+                <a:stretch>
+                  <a:fillRect l="-1217" t="-2381" b="-2941"/>
+                </a:stretch>
+              </a:blipFill>
+            </p:spPr>
+            <p:txBody>
+              <a:bodyPr/>
+              <a:lstStyle/>
+              <a:p>
+                <a:r>
+                  <a:rPr lang="ko-KR" altLang="en-US">
+                    <a:noFill/>
+                  </a:rPr>
+                  <a:t> </a:t>
+                </a:r>
+              </a:p>
+            </p:txBody>
+          </p:sp>
+        </mc:Fallback>
+      </mc:AlternateContent>
       <p:pic>
         <p:nvPicPr>
           <p:cNvPr id="5" name="그림 4">
@@ -5550,7 +5619,7 @@
           <p:nvPr/>
         </p:nvPicPr>
         <p:blipFill>
-          <a:blip r:embed="rId2"/>
+          <a:blip r:embed="rId3"/>
           <a:stretch>
             <a:fillRect/>
           </a:stretch>
@@ -5565,6 +5634,908 @@
           </a:prstGeom>
         </p:spPr>
       </p:pic>
+      <mc:AlternateContent xmlns:mc="http://schemas.openxmlformats.org/markup-compatibility/2006">
+        <mc:Choice xmlns:a14="http://schemas.microsoft.com/office/drawing/2010/main" Requires="a14">
+          <p:sp>
+            <p:nvSpPr>
+              <p:cNvPr id="6" name="TextBox 5">
+                <a:extLst>
+                  <a:ext uri="{FF2B5EF4-FFF2-40B4-BE49-F238E27FC236}">
+                    <a16:creationId xmlns:a16="http://schemas.microsoft.com/office/drawing/2014/main" id="{FDE447FB-0018-4041-BFBB-ADD6153275B2}"/>
+                  </a:ext>
+                </a:extLst>
+              </p:cNvPr>
+              <p:cNvSpPr txBox="1"/>
+              <p:nvPr/>
+            </p:nvSpPr>
+            <p:spPr>
+              <a:xfrm>
+                <a:off x="5130177" y="1496656"/>
+                <a:ext cx="2337563" cy="657937"/>
+              </a:xfrm>
+              <a:prstGeom prst="rect">
+                <a:avLst/>
+              </a:prstGeom>
+              <a:noFill/>
+              <a:ln>
+                <a:solidFill>
+                  <a:srgbClr val="FF0000"/>
+                </a:solidFill>
+              </a:ln>
+            </p:spPr>
+            <p:txBody>
+              <a:bodyPr wrap="none" rtlCol="0">
+                <a:spAutoFit/>
+              </a:bodyPr>
+              <a:lstStyle/>
+              <a:p>
+                <a:pPr/>
+                <a14:m>
+                  <m:oMathPara xmlns:m="http://schemas.openxmlformats.org/officeDocument/2006/math">
+                    <m:oMathParaPr>
+                      <m:jc m:val="centerGroup"/>
+                    </m:oMathParaPr>
+                    <m:oMath xmlns:m="http://schemas.openxmlformats.org/officeDocument/2006/math">
+                      <m:sSub>
+                        <m:sSubPr>
+                          <m:ctrlPr>
+                            <a:rPr lang="en-US" altLang="ko-KR" b="0" i="1" smtClean="0">
+                              <a:latin typeface="Cambria Math" panose="02040503050406030204" pitchFamily="18" charset="0"/>
+                            </a:rPr>
+                          </m:ctrlPr>
+                        </m:sSubPr>
+                        <m:e>
+                          <m:r>
+                            <a:rPr lang="en-US" altLang="ko-KR" b="0" i="1" smtClean="0">
+                              <a:latin typeface="Cambria Math" panose="02040503050406030204" pitchFamily="18" charset="0"/>
+                            </a:rPr>
+                            <m:t>𝑌</m:t>
+                          </m:r>
+                        </m:e>
+                        <m:sub>
+                          <m:r>
+                            <a:rPr lang="en-US" altLang="ko-KR" b="0" i="1" smtClean="0">
+                              <a:latin typeface="Cambria Math" panose="02040503050406030204" pitchFamily="18" charset="0"/>
+                            </a:rPr>
+                            <m:t>𝑡</m:t>
+                          </m:r>
+                        </m:sub>
+                      </m:sSub>
+                      <m:r>
+                        <a:rPr lang="en-US" altLang="ko-KR" b="0" i="1" smtClean="0">
+                          <a:latin typeface="Cambria Math" panose="02040503050406030204" pitchFamily="18" charset="0"/>
+                        </a:rPr>
+                        <m:t>=</m:t>
+                      </m:r>
+                      <m:f>
+                        <m:fPr>
+                          <m:ctrlPr>
+                            <a:rPr lang="en-US" altLang="ko-KR" i="1" smtClean="0">
+                              <a:latin typeface="Cambria Math" panose="02040503050406030204" pitchFamily="18" charset="0"/>
+                            </a:rPr>
+                          </m:ctrlPr>
+                        </m:fPr>
+                        <m:num>
+                          <m:sSub>
+                            <m:sSubPr>
+                              <m:ctrlPr>
+                                <a:rPr lang="en-US" altLang="ko-KR" i="1">
+                                  <a:latin typeface="Cambria Math" panose="02040503050406030204" pitchFamily="18" charset="0"/>
+                                </a:rPr>
+                              </m:ctrlPr>
+                            </m:sSubPr>
+                            <m:e>
+                              <m:r>
+                                <a:rPr lang="en-US" altLang="ko-KR" i="1">
+                                  <a:latin typeface="Cambria Math" panose="02040503050406030204" pitchFamily="18" charset="0"/>
+                                </a:rPr>
+                                <m:t>𝑤</m:t>
+                              </m:r>
+                            </m:e>
+                            <m:sub>
+                              <m:r>
+                                <a:rPr lang="en-US" altLang="ko-KR" i="1">
+                                  <a:latin typeface="Cambria Math" panose="02040503050406030204" pitchFamily="18" charset="0"/>
+                                </a:rPr>
+                                <m:t>0</m:t>
+                              </m:r>
+                            </m:sub>
+                          </m:sSub>
+                          <m:sSub>
+                            <m:sSubPr>
+                              <m:ctrlPr>
+                                <a:rPr lang="en-US" altLang="ko-KR" i="1">
+                                  <a:latin typeface="Cambria Math" panose="02040503050406030204" pitchFamily="18" charset="0"/>
+                                </a:rPr>
+                              </m:ctrlPr>
+                            </m:sSubPr>
+                            <m:e>
+                              <m:r>
+                                <a:rPr lang="en-US" altLang="ko-KR" i="1">
+                                  <a:latin typeface="Cambria Math" panose="02040503050406030204" pitchFamily="18" charset="0"/>
+                                </a:rPr>
+                                <m:t>𝐵</m:t>
+                              </m:r>
+                            </m:e>
+                            <m:sub>
+                              <m:r>
+                                <a:rPr lang="en-US" altLang="ko-KR" i="1">
+                                  <a:latin typeface="Cambria Math" panose="02040503050406030204" pitchFamily="18" charset="0"/>
+                                </a:rPr>
+                                <m:t>0</m:t>
+                              </m:r>
+                            </m:sub>
+                          </m:sSub>
+                        </m:num>
+                        <m:den>
+                          <m:r>
+                            <a:rPr lang="en-US" altLang="ko-KR" i="1">
+                              <a:latin typeface="Cambria Math" panose="02040503050406030204" pitchFamily="18" charset="0"/>
+                            </a:rPr>
+                            <m:t>1−</m:t>
+                          </m:r>
+                          <m:sSub>
+                            <m:sSubPr>
+                              <m:ctrlPr>
+                                <a:rPr lang="en-US" altLang="ko-KR" i="1">
+                                  <a:latin typeface="Cambria Math" panose="02040503050406030204" pitchFamily="18" charset="0"/>
+                                </a:rPr>
+                              </m:ctrlPr>
+                            </m:sSubPr>
+                            <m:e>
+                              <m:r>
+                                <a:rPr lang="ko-KR" altLang="en-US" i="1">
+                                  <a:latin typeface="Cambria Math" panose="02040503050406030204" pitchFamily="18" charset="0"/>
+                                </a:rPr>
+                                <m:t>𝛿</m:t>
+                              </m:r>
+                            </m:e>
+                            <m:sub>
+                              <m:r>
+                                <a:rPr lang="en-US" altLang="ko-KR" i="1">
+                                  <a:latin typeface="Cambria Math" panose="02040503050406030204" pitchFamily="18" charset="0"/>
+                                </a:rPr>
+                                <m:t>5</m:t>
+                              </m:r>
+                            </m:sub>
+                          </m:sSub>
+                          <m:sSub>
+                            <m:sSubPr>
+                              <m:ctrlPr>
+                                <a:rPr lang="en-US" altLang="ko-KR" i="1">
+                                  <a:latin typeface="Cambria Math" panose="02040503050406030204" pitchFamily="18" charset="0"/>
+                                </a:rPr>
+                              </m:ctrlPr>
+                            </m:sSubPr>
+                            <m:e>
+                              <m:r>
+                                <a:rPr lang="en-US" altLang="ko-KR" i="1">
+                                  <a:latin typeface="Cambria Math" panose="02040503050406030204" pitchFamily="18" charset="0"/>
+                                </a:rPr>
+                                <m:t>𝐵</m:t>
+                              </m:r>
+                            </m:e>
+                            <m:sub>
+                              <m:r>
+                                <a:rPr lang="en-US" altLang="ko-KR" i="1">
+                                  <a:latin typeface="Cambria Math" panose="02040503050406030204" pitchFamily="18" charset="0"/>
+                                </a:rPr>
+                                <m:t>5</m:t>
+                              </m:r>
+                            </m:sub>
+                          </m:sSub>
+                        </m:den>
+                      </m:f>
+                      <m:sSub>
+                        <m:sSubPr>
+                          <m:ctrlPr>
+                            <a:rPr lang="en-US" altLang="ko-KR" b="0" i="1" smtClean="0">
+                              <a:latin typeface="Cambria Math" panose="02040503050406030204" pitchFamily="18" charset="0"/>
+                            </a:rPr>
+                          </m:ctrlPr>
+                        </m:sSubPr>
+                        <m:e>
+                          <m:r>
+                            <a:rPr lang="en-US" altLang="ko-KR" b="0" i="1" smtClean="0">
+                              <a:latin typeface="Cambria Math" panose="02040503050406030204" pitchFamily="18" charset="0"/>
+                            </a:rPr>
+                            <m:t>𝑋</m:t>
+                          </m:r>
+                        </m:e>
+                        <m:sub>
+                          <m:r>
+                            <a:rPr lang="en-US" altLang="ko-KR" b="0" i="1" smtClean="0">
+                              <a:latin typeface="Cambria Math" panose="02040503050406030204" pitchFamily="18" charset="0"/>
+                            </a:rPr>
+                            <m:t>𝑡</m:t>
+                          </m:r>
+                        </m:sub>
+                      </m:sSub>
+                      <m:r>
+                        <a:rPr lang="en-US" altLang="ko-KR" b="0" i="1" smtClean="0">
+                          <a:latin typeface="Cambria Math" panose="02040503050406030204" pitchFamily="18" charset="0"/>
+                        </a:rPr>
+                        <m:t>+</m:t>
+                      </m:r>
+                      <m:r>
+                        <a:rPr lang="ko-KR" altLang="en-US" b="0" i="1" smtClean="0">
+                          <a:latin typeface="Cambria Math" panose="02040503050406030204" pitchFamily="18" charset="0"/>
+                        </a:rPr>
+                        <m:t>𝜑</m:t>
+                      </m:r>
+                    </m:oMath>
+                  </m:oMathPara>
+                </a14:m>
+                <a:endParaRPr lang="ko-KR" altLang="en-US" dirty="0"/>
+              </a:p>
+            </p:txBody>
+          </p:sp>
+        </mc:Choice>
+        <mc:Fallback>
+          <p:sp>
+            <p:nvSpPr>
+              <p:cNvPr id="6" name="TextBox 5">
+                <a:extLst>
+                  <a:ext uri="{FF2B5EF4-FFF2-40B4-BE49-F238E27FC236}">
+                    <a16:creationId xmlns:a16="http://schemas.microsoft.com/office/drawing/2014/main" id="{FDE447FB-0018-4041-BFBB-ADD6153275B2}"/>
+                  </a:ext>
+                </a:extLst>
+              </p:cNvPr>
+              <p:cNvSpPr txBox="1">
+                <a:spLocks noRot="1" noChangeAspect="1" noMove="1" noResize="1" noEditPoints="1" noAdjustHandles="1" noChangeArrowheads="1" noChangeShapeType="1" noTextEdit="1"/>
+              </p:cNvSpPr>
+              <p:nvPr/>
+            </p:nvSpPr>
+            <p:spPr>
+              <a:xfrm>
+                <a:off x="5130177" y="1496656"/>
+                <a:ext cx="2337563" cy="657937"/>
+              </a:xfrm>
+              <a:prstGeom prst="rect">
+                <a:avLst/>
+              </a:prstGeom>
+              <a:blipFill>
+                <a:blip r:embed="rId4"/>
+                <a:stretch>
+                  <a:fillRect/>
+                </a:stretch>
+              </a:blipFill>
+              <a:ln>
+                <a:solidFill>
+                  <a:srgbClr val="FF0000"/>
+                </a:solidFill>
+              </a:ln>
+            </p:spPr>
+            <p:txBody>
+              <a:bodyPr/>
+              <a:lstStyle/>
+              <a:p>
+                <a:r>
+                  <a:rPr lang="ko-KR" altLang="en-US">
+                    <a:noFill/>
+                  </a:rPr>
+                  <a:t> </a:t>
+                </a:r>
+              </a:p>
+            </p:txBody>
+          </p:sp>
+        </mc:Fallback>
+      </mc:AlternateContent>
+      <p:sp>
+        <p:nvSpPr>
+          <p:cNvPr id="4" name="타원 3"/>
+          <p:cNvSpPr/>
+          <p:nvPr/>
+        </p:nvSpPr>
+        <p:spPr>
+          <a:xfrm>
+            <a:off x="6123432" y="1844140"/>
+            <a:ext cx="274320" cy="328969"/>
+          </a:xfrm>
+          <a:prstGeom prst="ellipse">
+            <a:avLst/>
+          </a:prstGeom>
+          <a:noFill/>
+          <a:ln w="28575">
+            <a:solidFill>
+              <a:srgbClr val="FF0000"/>
+            </a:solidFill>
+          </a:ln>
+        </p:spPr>
+        <p:style>
+          <a:lnRef idx="2">
+            <a:schemeClr val="accent1">
+              <a:shade val="50000"/>
+            </a:schemeClr>
+          </a:lnRef>
+          <a:fillRef idx="1">
+            <a:schemeClr val="accent1"/>
+          </a:fillRef>
+          <a:effectRef idx="0">
+            <a:schemeClr val="accent1"/>
+          </a:effectRef>
+          <a:fontRef idx="minor">
+            <a:schemeClr val="lt1"/>
+          </a:fontRef>
+        </p:style>
+        <p:txBody>
+          <a:bodyPr rtlCol="0" anchor="ctr"/>
+          <a:lstStyle/>
+          <a:p>
+            <a:pPr algn="ctr"/>
+            <a:endParaRPr lang="ko-KR" altLang="en-US"/>
+          </a:p>
+        </p:txBody>
+      </p:sp>
+      <p:sp>
+        <p:nvSpPr>
+          <p:cNvPr id="7" name="직사각형 6"/>
+          <p:cNvSpPr/>
+          <p:nvPr/>
+        </p:nvSpPr>
+        <p:spPr>
+          <a:xfrm>
+            <a:off x="5431536" y="2957155"/>
+            <a:ext cx="566928" cy="347257"/>
+          </a:xfrm>
+          <a:prstGeom prst="rect">
+            <a:avLst/>
+          </a:prstGeom>
+          <a:noFill/>
+          <a:ln w="28575">
+            <a:solidFill>
+              <a:schemeClr val="tx1"/>
+            </a:solidFill>
+          </a:ln>
+        </p:spPr>
+        <p:style>
+          <a:lnRef idx="2">
+            <a:schemeClr val="accent1">
+              <a:shade val="50000"/>
+            </a:schemeClr>
+          </a:lnRef>
+          <a:fillRef idx="1">
+            <a:schemeClr val="accent1"/>
+          </a:fillRef>
+          <a:effectRef idx="0">
+            <a:schemeClr val="accent1"/>
+          </a:effectRef>
+          <a:fontRef idx="minor">
+            <a:schemeClr val="lt1"/>
+          </a:fontRef>
+        </p:style>
+        <p:txBody>
+          <a:bodyPr rtlCol="0" anchor="ctr"/>
+          <a:lstStyle/>
+          <a:p>
+            <a:pPr algn="ctr"/>
+            <a:endParaRPr lang="ko-KR" altLang="en-US"/>
+          </a:p>
+        </p:txBody>
+      </p:sp>
+      <p:cxnSp>
+        <p:nvCxnSpPr>
+          <p:cNvPr id="9" name="직선 화살표 연결선 8"/>
+          <p:cNvCxnSpPr>
+            <a:endCxn id="4" idx="4"/>
+          </p:cNvCxnSpPr>
+          <p:nvPr/>
+        </p:nvCxnSpPr>
+        <p:spPr>
+          <a:xfrm flipV="1">
+            <a:off x="5715000" y="2173109"/>
+            <a:ext cx="545592" cy="905848"/>
+          </a:xfrm>
+          <a:prstGeom prst="straightConnector1">
+            <a:avLst/>
+          </a:prstGeom>
+          <a:ln w="19050">
+            <a:prstDash val="dash"/>
+            <a:tailEnd type="triangle"/>
+          </a:ln>
+        </p:spPr>
+        <p:style>
+          <a:lnRef idx="1">
+            <a:schemeClr val="accent1"/>
+          </a:lnRef>
+          <a:fillRef idx="0">
+            <a:schemeClr val="accent1"/>
+          </a:fillRef>
+          <a:effectRef idx="0">
+            <a:schemeClr val="accent1"/>
+          </a:effectRef>
+          <a:fontRef idx="minor">
+            <a:schemeClr val="tx1"/>
+          </a:fontRef>
+        </p:style>
+      </p:cxnSp>
+      <p:sp>
+        <p:nvSpPr>
+          <p:cNvPr id="11" name="타원 10"/>
+          <p:cNvSpPr/>
+          <p:nvPr/>
+        </p:nvSpPr>
+        <p:spPr>
+          <a:xfrm>
+            <a:off x="5888736" y="1496656"/>
+            <a:ext cx="371856" cy="328968"/>
+          </a:xfrm>
+          <a:prstGeom prst="ellipse">
+            <a:avLst/>
+          </a:prstGeom>
+          <a:noFill/>
+          <a:ln w="28575"/>
+        </p:spPr>
+        <p:style>
+          <a:lnRef idx="2">
+            <a:schemeClr val="accent1">
+              <a:shade val="50000"/>
+            </a:schemeClr>
+          </a:lnRef>
+          <a:fillRef idx="1">
+            <a:schemeClr val="accent1"/>
+          </a:fillRef>
+          <a:effectRef idx="0">
+            <a:schemeClr val="accent1"/>
+          </a:effectRef>
+          <a:fontRef idx="minor">
+            <a:schemeClr val="lt1"/>
+          </a:fontRef>
+        </p:style>
+        <p:txBody>
+          <a:bodyPr rtlCol="0" anchor="ctr"/>
+          <a:lstStyle/>
+          <a:p>
+            <a:pPr algn="ctr"/>
+            <a:endParaRPr lang="ko-KR" altLang="en-US"/>
+          </a:p>
+        </p:txBody>
+      </p:sp>
+      <p:sp>
+        <p:nvSpPr>
+          <p:cNvPr id="12" name="직사각형 11"/>
+          <p:cNvSpPr/>
+          <p:nvPr/>
+        </p:nvSpPr>
+        <p:spPr>
+          <a:xfrm>
+            <a:off x="6083094" y="2957155"/>
+            <a:ext cx="468535" cy="342463"/>
+          </a:xfrm>
+          <a:prstGeom prst="rect">
+            <a:avLst/>
+          </a:prstGeom>
+          <a:noFill/>
+          <a:ln w="28575">
+            <a:solidFill>
+              <a:schemeClr val="tx1"/>
+            </a:solidFill>
+          </a:ln>
+        </p:spPr>
+        <p:style>
+          <a:lnRef idx="2">
+            <a:schemeClr val="accent1">
+              <a:shade val="50000"/>
+            </a:schemeClr>
+          </a:lnRef>
+          <a:fillRef idx="1">
+            <a:schemeClr val="accent1"/>
+          </a:fillRef>
+          <a:effectRef idx="0">
+            <a:schemeClr val="accent1"/>
+          </a:effectRef>
+          <a:fontRef idx="minor">
+            <a:schemeClr val="lt1"/>
+          </a:fontRef>
+        </p:style>
+        <p:txBody>
+          <a:bodyPr rtlCol="0" anchor="ctr"/>
+          <a:lstStyle/>
+          <a:p>
+            <a:pPr algn="ctr"/>
+            <a:endParaRPr lang="ko-KR" altLang="en-US"/>
+          </a:p>
+        </p:txBody>
+      </p:sp>
+      <p:cxnSp>
+        <p:nvCxnSpPr>
+          <p:cNvPr id="14" name="직선 화살표 연결선 13"/>
+          <p:cNvCxnSpPr>
+            <a:stCxn id="12" idx="0"/>
+            <a:endCxn id="11" idx="4"/>
+          </p:cNvCxnSpPr>
+          <p:nvPr/>
+        </p:nvCxnSpPr>
+        <p:spPr>
+          <a:xfrm flipH="1" flipV="1">
+            <a:off x="6074664" y="1825624"/>
+            <a:ext cx="242698" cy="1131531"/>
+          </a:xfrm>
+          <a:prstGeom prst="straightConnector1">
+            <a:avLst/>
+          </a:prstGeom>
+          <a:ln w="19050">
+            <a:prstDash val="dash"/>
+            <a:tailEnd type="triangle"/>
+          </a:ln>
+        </p:spPr>
+        <p:style>
+          <a:lnRef idx="1">
+            <a:schemeClr val="accent1"/>
+          </a:lnRef>
+          <a:fillRef idx="0">
+            <a:schemeClr val="accent1"/>
+          </a:fillRef>
+          <a:effectRef idx="0">
+            <a:schemeClr val="accent1"/>
+          </a:effectRef>
+          <a:fontRef idx="minor">
+            <a:schemeClr val="tx1"/>
+          </a:fontRef>
+        </p:style>
+      </p:cxnSp>
+      <p:sp>
+        <p:nvSpPr>
+          <p:cNvPr id="16" name="직사각형 15"/>
+          <p:cNvSpPr/>
+          <p:nvPr/>
+        </p:nvSpPr>
+        <p:spPr>
+          <a:xfrm>
+            <a:off x="7123176" y="1653120"/>
+            <a:ext cx="265176" cy="430264"/>
+          </a:xfrm>
+          <a:prstGeom prst="rect">
+            <a:avLst/>
+          </a:prstGeom>
+          <a:noFill/>
+          <a:ln w="28575">
+            <a:prstDash val="dash"/>
+          </a:ln>
+        </p:spPr>
+        <p:style>
+          <a:lnRef idx="2">
+            <a:schemeClr val="accent1">
+              <a:shade val="50000"/>
+            </a:schemeClr>
+          </a:lnRef>
+          <a:fillRef idx="1">
+            <a:schemeClr val="accent1"/>
+          </a:fillRef>
+          <a:effectRef idx="0">
+            <a:schemeClr val="accent1"/>
+          </a:effectRef>
+          <a:fontRef idx="minor">
+            <a:schemeClr val="lt1"/>
+          </a:fontRef>
+        </p:style>
+        <p:txBody>
+          <a:bodyPr rtlCol="0" anchor="ctr"/>
+          <a:lstStyle/>
+          <a:p>
+            <a:pPr algn="ctr"/>
+            <a:endParaRPr lang="ko-KR" altLang="en-US"/>
+          </a:p>
+        </p:txBody>
+      </p:sp>
+      <p:sp>
+        <p:nvSpPr>
+          <p:cNvPr id="17" name="오른쪽 화살표 16"/>
+          <p:cNvSpPr/>
+          <p:nvPr/>
+        </p:nvSpPr>
+        <p:spPr>
+          <a:xfrm>
+            <a:off x="7552944" y="1755648"/>
+            <a:ext cx="356616" cy="256032"/>
+          </a:xfrm>
+          <a:prstGeom prst="rightArrow">
+            <a:avLst/>
+          </a:prstGeom>
+        </p:spPr>
+        <p:style>
+          <a:lnRef idx="2">
+            <a:schemeClr val="accent1">
+              <a:shade val="50000"/>
+            </a:schemeClr>
+          </a:lnRef>
+          <a:fillRef idx="1">
+            <a:schemeClr val="accent1"/>
+          </a:fillRef>
+          <a:effectRef idx="0">
+            <a:schemeClr val="accent1"/>
+          </a:effectRef>
+          <a:fontRef idx="minor">
+            <a:schemeClr val="lt1"/>
+          </a:fontRef>
+        </p:style>
+        <p:txBody>
+          <a:bodyPr rtlCol="0" anchor="ctr"/>
+          <a:lstStyle/>
+          <a:p>
+            <a:pPr algn="ctr"/>
+            <a:endParaRPr lang="ko-KR" altLang="en-US"/>
+          </a:p>
+        </p:txBody>
+      </p:sp>
+      <mc:AlternateContent xmlns:mc="http://schemas.openxmlformats.org/markup-compatibility/2006">
+        <mc:Choice xmlns:a14="http://schemas.microsoft.com/office/drawing/2010/main" Requires="a14">
+          <p:sp>
+            <p:nvSpPr>
+              <p:cNvPr id="18" name="TextBox 17"/>
+              <p:cNvSpPr txBox="1"/>
+              <p:nvPr/>
+            </p:nvSpPr>
+            <p:spPr>
+              <a:xfrm>
+                <a:off x="7994764" y="1696496"/>
+                <a:ext cx="776495" cy="276999"/>
+              </a:xfrm>
+              <a:prstGeom prst="rect">
+                <a:avLst/>
+              </a:prstGeom>
+              <a:noFill/>
+              <a:ln w="28575">
+                <a:solidFill>
+                  <a:schemeClr val="tx1"/>
+                </a:solidFill>
+                <a:prstDash val="dash"/>
+              </a:ln>
+            </p:spPr>
+            <p:txBody>
+              <a:bodyPr wrap="none" lIns="0" tIns="0" rIns="0" bIns="0" rtlCol="0">
+                <a:spAutoFit/>
+              </a:bodyPr>
+              <a:lstStyle/>
+              <a:p>
+                <a:pPr/>
+                <a14:m>
+                  <m:oMathPara xmlns:m="http://schemas.openxmlformats.org/officeDocument/2006/math">
+                    <m:oMathParaPr>
+                      <m:jc m:val="centerGroup"/>
+                    </m:oMathParaPr>
+                    <m:oMath xmlns:m="http://schemas.openxmlformats.org/officeDocument/2006/math">
+                      <m:sSub>
+                        <m:sSubPr>
+                          <m:ctrlPr>
+                            <a:rPr lang="en-US" altLang="ko-KR" b="0" i="1" smtClean="0">
+                              <a:latin typeface="Cambria Math" panose="02040503050406030204" pitchFamily="18" charset="0"/>
+                            </a:rPr>
+                          </m:ctrlPr>
+                        </m:sSubPr>
+                        <m:e>
+                          <m:sSub>
+                            <m:sSubPr>
+                              <m:ctrlPr>
+                                <a:rPr lang="en-US" altLang="ko-KR" b="0" i="1" smtClean="0">
+                                  <a:latin typeface="Cambria Math" panose="02040503050406030204" pitchFamily="18" charset="0"/>
+                                </a:rPr>
+                              </m:ctrlPr>
+                            </m:sSubPr>
+                            <m:e>
+                              <m:r>
+                                <a:rPr lang="en-US" altLang="ko-KR" b="0" i="1" smtClean="0">
+                                  <a:latin typeface="Cambria Math" panose="02040503050406030204" pitchFamily="18" charset="0"/>
+                                </a:rPr>
+                                <m:t>𝑎</m:t>
+                              </m:r>
+                            </m:e>
+                            <m:sub>
+                              <m:r>
+                                <a:rPr lang="en-US" altLang="ko-KR" b="0" i="1" smtClean="0">
+                                  <a:latin typeface="Cambria Math" panose="02040503050406030204" pitchFamily="18" charset="0"/>
+                                </a:rPr>
+                                <m:t>1</m:t>
+                              </m:r>
+                            </m:sub>
+                          </m:sSub>
+                          <m:r>
+                            <a:rPr lang="ko-KR" altLang="en-US" i="1" smtClean="0">
+                              <a:latin typeface="Cambria Math" panose="02040503050406030204" pitchFamily="18" charset="0"/>
+                            </a:rPr>
+                            <m:t>𝜑</m:t>
+                          </m:r>
+                        </m:e>
+                        <m:sub>
+                          <m:r>
+                            <a:rPr lang="en-US" altLang="ko-KR" b="0" i="1" smtClean="0">
+                              <a:latin typeface="Cambria Math" panose="02040503050406030204" pitchFamily="18" charset="0"/>
+                            </a:rPr>
+                            <m:t>𝑡</m:t>
+                          </m:r>
+                          <m:r>
+                            <a:rPr lang="en-US" altLang="ko-KR" b="0" i="1" smtClean="0">
+                              <a:latin typeface="Cambria Math" panose="02040503050406030204" pitchFamily="18" charset="0"/>
+                            </a:rPr>
+                            <m:t>−1</m:t>
+                          </m:r>
+                        </m:sub>
+                      </m:sSub>
+                    </m:oMath>
+                  </m:oMathPara>
+                </a14:m>
+                <a:endParaRPr lang="ko-KR" altLang="en-US" dirty="0"/>
+              </a:p>
+            </p:txBody>
+          </p:sp>
+        </mc:Choice>
+        <mc:Fallback>
+          <p:sp>
+            <p:nvSpPr>
+              <p:cNvPr id="18" name="TextBox 17"/>
+              <p:cNvSpPr txBox="1">
+                <a:spLocks noRot="1" noChangeAspect="1" noMove="1" noResize="1" noEditPoints="1" noAdjustHandles="1" noChangeArrowheads="1" noChangeShapeType="1" noTextEdit="1"/>
+              </p:cNvSpPr>
+              <p:nvPr/>
+            </p:nvSpPr>
+            <p:spPr>
+              <a:xfrm>
+                <a:off x="7994764" y="1696496"/>
+                <a:ext cx="776495" cy="276999"/>
+              </a:xfrm>
+              <a:prstGeom prst="rect">
+                <a:avLst/>
+              </a:prstGeom>
+              <a:blipFill>
+                <a:blip r:embed="rId5"/>
+                <a:stretch>
+                  <a:fillRect l="-752" b="-19608"/>
+                </a:stretch>
+              </a:blipFill>
+              <a:ln w="28575">
+                <a:solidFill>
+                  <a:schemeClr val="tx1"/>
+                </a:solidFill>
+                <a:prstDash val="dash"/>
+              </a:ln>
+            </p:spPr>
+            <p:txBody>
+              <a:bodyPr/>
+              <a:lstStyle/>
+              <a:p>
+                <a:r>
+                  <a:rPr lang="ko-KR" altLang="en-US">
+                    <a:noFill/>
+                  </a:rPr>
+                  <a:t> </a:t>
+                </a:r>
+              </a:p>
+            </p:txBody>
+          </p:sp>
+        </mc:Fallback>
+      </mc:AlternateContent>
+      <p:sp>
+        <p:nvSpPr>
+          <p:cNvPr id="19" name="직사각형 18"/>
+          <p:cNvSpPr/>
+          <p:nvPr/>
+        </p:nvSpPr>
+        <p:spPr>
+          <a:xfrm>
+            <a:off x="1691640" y="3021163"/>
+            <a:ext cx="658368" cy="261533"/>
+          </a:xfrm>
+          <a:prstGeom prst="rect">
+            <a:avLst/>
+          </a:prstGeom>
+          <a:noFill/>
+          <a:ln w="19050">
+            <a:prstDash val="dash"/>
+          </a:ln>
+        </p:spPr>
+        <p:style>
+          <a:lnRef idx="2">
+            <a:schemeClr val="accent1">
+              <a:shade val="50000"/>
+            </a:schemeClr>
+          </a:lnRef>
+          <a:fillRef idx="1">
+            <a:schemeClr val="accent1"/>
+          </a:fillRef>
+          <a:effectRef idx="0">
+            <a:schemeClr val="accent1"/>
+          </a:effectRef>
+          <a:fontRef idx="minor">
+            <a:schemeClr val="lt1"/>
+          </a:fontRef>
+        </p:style>
+        <p:txBody>
+          <a:bodyPr rtlCol="0" anchor="ctr"/>
+          <a:lstStyle/>
+          <a:p>
+            <a:pPr algn="ctr"/>
+            <a:endParaRPr lang="ko-KR" altLang="en-US"/>
+          </a:p>
+        </p:txBody>
+      </p:sp>
+      <p:cxnSp>
+        <p:nvCxnSpPr>
+          <p:cNvPr id="21" name="꺾인 연결선 20"/>
+          <p:cNvCxnSpPr>
+            <a:stCxn id="19" idx="2"/>
+            <a:endCxn id="22" idx="4"/>
+          </p:cNvCxnSpPr>
+          <p:nvPr/>
+        </p:nvCxnSpPr>
+        <p:spPr>
+          <a:xfrm rot="5400000" flipH="1" flipV="1">
+            <a:off x="4473705" y="-387785"/>
+            <a:ext cx="1217600" cy="6123362"/>
+          </a:xfrm>
+          <a:prstGeom prst="bentConnector3">
+            <a:avLst>
+              <a:gd name="adj1" fmla="val -18775"/>
+            </a:avLst>
+          </a:prstGeom>
+          <a:ln w="19050">
+            <a:solidFill>
+              <a:schemeClr val="tx1"/>
+            </a:solidFill>
+            <a:prstDash val="dash"/>
+            <a:tailEnd type="triangle"/>
+          </a:ln>
+        </p:spPr>
+        <p:style>
+          <a:lnRef idx="1">
+            <a:schemeClr val="accent1"/>
+          </a:lnRef>
+          <a:fillRef idx="0">
+            <a:schemeClr val="accent1"/>
+          </a:fillRef>
+          <a:effectRef idx="0">
+            <a:schemeClr val="accent1"/>
+          </a:effectRef>
+          <a:fontRef idx="minor">
+            <a:schemeClr val="tx1"/>
+          </a:fontRef>
+        </p:style>
+      </p:cxnSp>
+      <p:sp>
+        <p:nvSpPr>
+          <p:cNvPr id="22" name="타원 21"/>
+          <p:cNvSpPr/>
+          <p:nvPr/>
+        </p:nvSpPr>
+        <p:spPr>
+          <a:xfrm>
+            <a:off x="7994764" y="1634832"/>
+            <a:ext cx="298844" cy="430264"/>
+          </a:xfrm>
+          <a:prstGeom prst="ellipse">
+            <a:avLst/>
+          </a:prstGeom>
+          <a:noFill/>
+          <a:ln w="28575">
+            <a:solidFill>
+              <a:srgbClr val="FF0000"/>
+            </a:solidFill>
+          </a:ln>
+        </p:spPr>
+        <p:style>
+          <a:lnRef idx="2">
+            <a:schemeClr val="accent1">
+              <a:shade val="50000"/>
+            </a:schemeClr>
+          </a:lnRef>
+          <a:fillRef idx="1">
+            <a:schemeClr val="accent1"/>
+          </a:fillRef>
+          <a:effectRef idx="0">
+            <a:schemeClr val="accent1"/>
+          </a:effectRef>
+          <a:fontRef idx="minor">
+            <a:schemeClr val="lt1"/>
+          </a:fontRef>
+        </p:style>
+        <p:txBody>
+          <a:bodyPr rtlCol="0" anchor="ctr"/>
+          <a:lstStyle/>
+          <a:p>
+            <a:pPr algn="ctr"/>
+            <a:endParaRPr lang="ko-KR" altLang="en-US"/>
+          </a:p>
+        </p:txBody>
+      </p:sp>
     </p:spTree>
     <p:extLst>
       <p:ext uri="{BB962C8B-B14F-4D97-AF65-F5344CB8AC3E}">
@@ -8331,6 +9302,10 @@
               <a:rPr lang="ko-KR" altLang="en-US" dirty="0"/>
               <a:t>하여 </a:t>
             </a:r>
+            <a:r>
+              <a:rPr lang="en-US" altLang="ko-KR" dirty="0"/>
+              <a:t/>
+            </a:r>
             <a:br>
               <a:rPr lang="en-US" altLang="ko-KR" dirty="0"/>
             </a:br>
